--- a/documentos_primeirosacessos/Slack.pptx
+++ b/documentos_primeirosacessos/Slack.pptx
@@ -6,14 +6,15 @@
   </p:sldMasterIdLst>
   <p:sldIdLst>
     <p:sldId id="257" r:id="rId2"/>
-    <p:sldId id="256" r:id="rId3"/>
-    <p:sldId id="258" r:id="rId4"/>
-    <p:sldId id="265" r:id="rId5"/>
-    <p:sldId id="261" r:id="rId6"/>
-    <p:sldId id="260" r:id="rId7"/>
-    <p:sldId id="262" r:id="rId8"/>
-    <p:sldId id="267" r:id="rId9"/>
-    <p:sldId id="266" r:id="rId10"/>
+    <p:sldId id="268" r:id="rId3"/>
+    <p:sldId id="256" r:id="rId4"/>
+    <p:sldId id="258" r:id="rId5"/>
+    <p:sldId id="265" r:id="rId6"/>
+    <p:sldId id="261" r:id="rId7"/>
+    <p:sldId id="260" r:id="rId8"/>
+    <p:sldId id="262" r:id="rId9"/>
+    <p:sldId id="267" r:id="rId10"/>
+    <p:sldId id="266" r:id="rId11"/>
   </p:sldIdLst>
   <p:sldSz cx="12192000" cy="6858000"/>
   <p:notesSz cx="6858000" cy="9144000"/>
@@ -251,7 +252,7 @@
           <a:p>
             <a:fld id="{22983177-5BBC-4684-9776-BC36D2C04DE5}" type="datetimeFigureOut">
               <a:rPr lang="pt-BR" smtClean="0"/>
-              <a:t>19/07/2020</a:t>
+              <a:t>20/07/2020</a:t>
             </a:fld>
             <a:endParaRPr lang="pt-BR"/>
           </a:p>
@@ -421,7 +422,7 @@
           <a:p>
             <a:fld id="{22983177-5BBC-4684-9776-BC36D2C04DE5}" type="datetimeFigureOut">
               <a:rPr lang="pt-BR" smtClean="0"/>
-              <a:t>19/07/2020</a:t>
+              <a:t>20/07/2020</a:t>
             </a:fld>
             <a:endParaRPr lang="pt-BR"/>
           </a:p>
@@ -601,7 +602,7 @@
           <a:p>
             <a:fld id="{22983177-5BBC-4684-9776-BC36D2C04DE5}" type="datetimeFigureOut">
               <a:rPr lang="pt-BR" smtClean="0"/>
-              <a:t>19/07/2020</a:t>
+              <a:t>20/07/2020</a:t>
             </a:fld>
             <a:endParaRPr lang="pt-BR"/>
           </a:p>
@@ -771,7 +772,7 @@
           <a:p>
             <a:fld id="{22983177-5BBC-4684-9776-BC36D2C04DE5}" type="datetimeFigureOut">
               <a:rPr lang="pt-BR" smtClean="0"/>
-              <a:t>19/07/2020</a:t>
+              <a:t>20/07/2020</a:t>
             </a:fld>
             <a:endParaRPr lang="pt-BR"/>
           </a:p>
@@ -1017,7 +1018,7 @@
           <a:p>
             <a:fld id="{22983177-5BBC-4684-9776-BC36D2C04DE5}" type="datetimeFigureOut">
               <a:rPr lang="pt-BR" smtClean="0"/>
-              <a:t>19/07/2020</a:t>
+              <a:t>20/07/2020</a:t>
             </a:fld>
             <a:endParaRPr lang="pt-BR"/>
           </a:p>
@@ -1249,7 +1250,7 @@
           <a:p>
             <a:fld id="{22983177-5BBC-4684-9776-BC36D2C04DE5}" type="datetimeFigureOut">
               <a:rPr lang="pt-BR" smtClean="0"/>
-              <a:t>19/07/2020</a:t>
+              <a:t>20/07/2020</a:t>
             </a:fld>
             <a:endParaRPr lang="pt-BR"/>
           </a:p>
@@ -1616,7 +1617,7 @@
           <a:p>
             <a:fld id="{22983177-5BBC-4684-9776-BC36D2C04DE5}" type="datetimeFigureOut">
               <a:rPr lang="pt-BR" smtClean="0"/>
-              <a:t>19/07/2020</a:t>
+              <a:t>20/07/2020</a:t>
             </a:fld>
             <a:endParaRPr lang="pt-BR"/>
           </a:p>
@@ -1734,7 +1735,7 @@
           <a:p>
             <a:fld id="{22983177-5BBC-4684-9776-BC36D2C04DE5}" type="datetimeFigureOut">
               <a:rPr lang="pt-BR" smtClean="0"/>
-              <a:t>19/07/2020</a:t>
+              <a:t>20/07/2020</a:t>
             </a:fld>
             <a:endParaRPr lang="pt-BR"/>
           </a:p>
@@ -1829,7 +1830,7 @@
           <a:p>
             <a:fld id="{22983177-5BBC-4684-9776-BC36D2C04DE5}" type="datetimeFigureOut">
               <a:rPr lang="pt-BR" smtClean="0"/>
-              <a:t>19/07/2020</a:t>
+              <a:t>20/07/2020</a:t>
             </a:fld>
             <a:endParaRPr lang="pt-BR"/>
           </a:p>
@@ -2106,7 +2107,7 @@
           <a:p>
             <a:fld id="{22983177-5BBC-4684-9776-BC36D2C04DE5}" type="datetimeFigureOut">
               <a:rPr lang="pt-BR" smtClean="0"/>
-              <a:t>19/07/2020</a:t>
+              <a:t>20/07/2020</a:t>
             </a:fld>
             <a:endParaRPr lang="pt-BR"/>
           </a:p>
@@ -2359,7 +2360,7 @@
           <a:p>
             <a:fld id="{22983177-5BBC-4684-9776-BC36D2C04DE5}" type="datetimeFigureOut">
               <a:rPr lang="pt-BR" smtClean="0"/>
-              <a:t>19/07/2020</a:t>
+              <a:t>20/07/2020</a:t>
             </a:fld>
             <a:endParaRPr lang="pt-BR"/>
           </a:p>
@@ -2572,7 +2573,7 @@
           <a:p>
             <a:fld id="{22983177-5BBC-4684-9776-BC36D2C04DE5}" type="datetimeFigureOut">
               <a:rPr lang="pt-BR" smtClean="0"/>
-              <a:t>19/07/2020</a:t>
+              <a:t>20/07/2020</a:t>
             </a:fld>
             <a:endParaRPr lang="pt-BR"/>
           </a:p>
@@ -3147,7 +3148,7 @@
             <a:pPr algn="ctr"/>
             <a:r>
               <a:rPr lang="pt-BR" sz="2400" b="1" dirty="0" smtClean="0"/>
-              <a:t>Duvidas ao entrar no Slack? </a:t>
+              <a:t>O que é o Slack? </a:t>
             </a:r>
             <a:endParaRPr lang="pt-BR" sz="2400" b="1" dirty="0"/>
           </a:p>
@@ -3212,7 +3213,670 @@
 </p:sld>
 </file>
 
+<file path=ppt/slides/slide10.xml><?xml version="1.0" encoding="utf-8"?>
+<p:sld xmlns:a="http://schemas.openxmlformats.org/drawingml/2006/main" xmlns:r="http://schemas.openxmlformats.org/officeDocument/2006/relationships" xmlns:p="http://schemas.openxmlformats.org/presentationml/2006/main">
+  <p:cSld>
+    <p:spTree>
+      <p:nvGrpSpPr>
+        <p:cNvPr id="1" name=""/>
+        <p:cNvGrpSpPr/>
+        <p:nvPr/>
+      </p:nvGrpSpPr>
+      <p:grpSpPr>
+        <a:xfrm>
+          <a:off x="0" y="0"/>
+          <a:ext cx="0" cy="0"/>
+          <a:chOff x="0" y="0"/>
+          <a:chExt cx="0" cy="0"/>
+        </a:xfrm>
+      </p:grpSpPr>
+      <p:grpSp>
+        <p:nvGrpSpPr>
+          <p:cNvPr id="4" name="Agrupar 3"/>
+          <p:cNvGrpSpPr/>
+          <p:nvPr/>
+        </p:nvGrpSpPr>
+        <p:grpSpPr>
+          <a:xfrm>
+            <a:off x="0" y="0"/>
+            <a:ext cx="12192000" cy="1282769"/>
+            <a:chOff x="0" y="0"/>
+            <a:chExt cx="12192000" cy="1282769"/>
+          </a:xfrm>
+        </p:grpSpPr>
+        <p:sp>
+          <p:nvSpPr>
+            <p:cNvPr id="5" name="Retângulo 4"/>
+            <p:cNvSpPr/>
+            <p:nvPr/>
+          </p:nvSpPr>
+          <p:spPr>
+            <a:xfrm>
+              <a:off x="1632857" y="0"/>
+              <a:ext cx="10559143" cy="1282769"/>
+            </a:xfrm>
+            <a:prstGeom prst="rect">
+              <a:avLst/>
+            </a:prstGeom>
+            <a:solidFill>
+              <a:srgbClr val="006461"/>
+            </a:solidFill>
+          </p:spPr>
+          <p:style>
+            <a:lnRef idx="2">
+              <a:schemeClr val="accent1">
+                <a:shade val="50000"/>
+              </a:schemeClr>
+            </a:lnRef>
+            <a:fillRef idx="1">
+              <a:schemeClr val="accent1"/>
+            </a:fillRef>
+            <a:effectRef idx="0">
+              <a:schemeClr val="accent1"/>
+            </a:effectRef>
+            <a:fontRef idx="minor">
+              <a:schemeClr val="lt1"/>
+            </a:fontRef>
+          </p:style>
+          <p:txBody>
+            <a:bodyPr rtlCol="0" anchor="ctr"/>
+            <a:lstStyle/>
+            <a:p>
+              <a:pPr algn="ctr"/>
+              <a:endParaRPr lang="pt-BR"/>
+            </a:p>
+          </p:txBody>
+        </p:sp>
+        <p:pic>
+          <p:nvPicPr>
+            <p:cNvPr id="6" name="Imagem 5">
+              <a:extLst>
+                <a:ext uri="{FF2B5EF4-FFF2-40B4-BE49-F238E27FC236}">
+                  <a16:creationId xmlns:a16="http://schemas.microsoft.com/office/drawing/2014/main" id="{FEC16F6E-8DF3-4422-8E41-35D556DF9F14}"/>
+                </a:ext>
+              </a:extLst>
+            </p:cNvPr>
+            <p:cNvPicPr>
+              <a:picLocks noChangeAspect="1"/>
+            </p:cNvPicPr>
+            <p:nvPr/>
+          </p:nvPicPr>
+          <p:blipFill>
+            <a:blip r:embed="rId2" cstate="print">
+              <a:extLst>
+                <a:ext uri="{28A0092B-C50C-407E-A947-70E740481C1C}">
+                  <a14:useLocalDpi xmlns:a14="http://schemas.microsoft.com/office/drawing/2010/main" val="0"/>
+                </a:ext>
+              </a:extLst>
+            </a:blip>
+            <a:stretch>
+              <a:fillRect/>
+            </a:stretch>
+          </p:blipFill>
+          <p:spPr>
+            <a:xfrm>
+              <a:off x="0" y="0"/>
+              <a:ext cx="1632857" cy="1282769"/>
+            </a:xfrm>
+            <a:prstGeom prst="rect">
+              <a:avLst/>
+            </a:prstGeom>
+            <a:ln>
+              <a:noFill/>
+            </a:ln>
+            <a:effectLst>
+              <a:outerShdw blurRad="190500" algn="tl" rotWithShape="0">
+                <a:srgbClr val="000000">
+                  <a:alpha val="70000"/>
+                </a:srgbClr>
+              </a:outerShdw>
+            </a:effectLst>
+          </p:spPr>
+        </p:pic>
+      </p:grpSp>
+      <p:sp>
+        <p:nvSpPr>
+          <p:cNvPr id="3" name="Retângulo 2"/>
+          <p:cNvSpPr/>
+          <p:nvPr/>
+        </p:nvSpPr>
+        <p:spPr>
+          <a:xfrm>
+            <a:off x="4206240" y="3240322"/>
+            <a:ext cx="6570617" cy="1566809"/>
+          </a:xfrm>
+          <a:prstGeom prst="rect">
+            <a:avLst/>
+          </a:prstGeom>
+          <a:solidFill>
+            <a:schemeClr val="bg1"/>
+          </a:solidFill>
+          <a:ln>
+            <a:noFill/>
+          </a:ln>
+        </p:spPr>
+        <p:style>
+          <a:lnRef idx="2">
+            <a:schemeClr val="accent1">
+              <a:shade val="50000"/>
+            </a:schemeClr>
+          </a:lnRef>
+          <a:fillRef idx="1">
+            <a:schemeClr val="accent1"/>
+          </a:fillRef>
+          <a:effectRef idx="0">
+            <a:schemeClr val="accent1"/>
+          </a:effectRef>
+          <a:fontRef idx="minor">
+            <a:schemeClr val="lt1"/>
+          </a:fontRef>
+        </p:style>
+        <p:txBody>
+          <a:bodyPr rtlCol="0" anchor="ctr"/>
+          <a:lstStyle/>
+          <a:p>
+            <a:pPr algn="ctr"/>
+            <a:endParaRPr lang="pt-BR"/>
+          </a:p>
+        </p:txBody>
+      </p:sp>
+      <p:pic>
+        <p:nvPicPr>
+          <p:cNvPr id="1030" name="Picture 6" descr="Suporte Técnico | Sectigo Brasil - sectigo.com.br"/>
+          <p:cNvPicPr>
+            <a:picLocks noChangeAspect="1" noChangeArrowheads="1"/>
+          </p:cNvPicPr>
+          <p:nvPr/>
+        </p:nvPicPr>
+        <p:blipFill>
+          <a:blip r:embed="rId3">
+            <a:extLst>
+              <a:ext uri="{28A0092B-C50C-407E-A947-70E740481C1C}">
+                <a14:useLocalDpi xmlns:a14="http://schemas.microsoft.com/office/drawing/2010/main" val="0"/>
+              </a:ext>
+            </a:extLst>
+          </a:blip>
+          <a:srcRect/>
+          <a:stretch>
+            <a:fillRect/>
+          </a:stretch>
+        </p:blipFill>
+        <p:spPr bwMode="auto">
+          <a:xfrm>
+            <a:off x="3408225" y="2038348"/>
+            <a:ext cx="4762500" cy="4572000"/>
+          </a:xfrm>
+          <a:prstGeom prst="rect">
+            <a:avLst/>
+          </a:prstGeom>
+          <a:noFill/>
+          <a:extLst>
+            <a:ext uri="{909E8E84-426E-40DD-AFC4-6F175D3DCCD1}">
+              <a14:hiddenFill xmlns:a14="http://schemas.microsoft.com/office/drawing/2010/main">
+                <a:solidFill>
+                  <a:srgbClr val="FFFFFF"/>
+                </a:solidFill>
+              </a14:hiddenFill>
+            </a:ext>
+          </a:extLst>
+        </p:spPr>
+      </p:pic>
+      <p:sp>
+        <p:nvSpPr>
+          <p:cNvPr id="2" name="CaixaDeTexto 1"/>
+          <p:cNvSpPr txBox="1"/>
+          <p:nvPr/>
+        </p:nvSpPr>
+        <p:spPr>
+          <a:xfrm>
+            <a:off x="1983305" y="1392017"/>
+            <a:ext cx="7612340" cy="646331"/>
+          </a:xfrm>
+          <a:prstGeom prst="rect">
+            <a:avLst/>
+          </a:prstGeom>
+          <a:noFill/>
+        </p:spPr>
+        <p:txBody>
+          <a:bodyPr wrap="none" rtlCol="0">
+            <a:spAutoFit/>
+          </a:bodyPr>
+          <a:lstStyle/>
+          <a:p>
+            <a:pPr algn="ctr"/>
+            <a:r>
+              <a:rPr lang="pt-BR" dirty="0"/>
+              <a:t>Mesmo seguindo o passo a passo e </a:t>
+            </a:r>
+            <a:r>
+              <a:rPr lang="pt-BR" b="1" dirty="0"/>
+              <a:t>não</a:t>
+            </a:r>
+            <a:r>
+              <a:rPr lang="pt-BR" dirty="0"/>
+              <a:t> </a:t>
+            </a:r>
+            <a:r>
+              <a:rPr lang="pt-BR" b="1" dirty="0"/>
+              <a:t>tenha</a:t>
+            </a:r>
+            <a:r>
+              <a:rPr lang="pt-BR" dirty="0"/>
+              <a:t> </a:t>
+            </a:r>
+            <a:r>
+              <a:rPr lang="pt-BR" b="1" dirty="0"/>
+              <a:t>conseguido</a:t>
+            </a:r>
+            <a:r>
+              <a:rPr lang="pt-BR" dirty="0"/>
+              <a:t> </a:t>
+            </a:r>
+            <a:r>
+              <a:rPr lang="pt-BR" b="1" dirty="0"/>
+              <a:t>acesso</a:t>
+            </a:r>
+            <a:r>
+              <a:rPr lang="pt-BR" dirty="0"/>
+              <a:t> </a:t>
+            </a:r>
+            <a:r>
+              <a:rPr lang="pt-BR" b="1" dirty="0"/>
+              <a:t>a</a:t>
+            </a:r>
+            <a:r>
+              <a:rPr lang="pt-BR" dirty="0"/>
+              <a:t> </a:t>
+            </a:r>
+            <a:r>
+              <a:rPr lang="pt-BR" b="1" dirty="0"/>
+              <a:t>ferramenta</a:t>
+            </a:r>
+            <a:r>
+              <a:rPr lang="pt-BR" dirty="0"/>
+              <a:t>,</a:t>
+            </a:r>
+            <a:br>
+              <a:rPr lang="pt-BR" dirty="0"/>
+            </a:br>
+            <a:r>
+              <a:rPr lang="pt-BR" dirty="0"/>
+              <a:t>entre em contato via </a:t>
+            </a:r>
+            <a:r>
+              <a:rPr lang="pt-BR" b="1" dirty="0"/>
+              <a:t>e-mail:</a:t>
+            </a:r>
+            <a:r>
+              <a:rPr lang="pt-BR" dirty="0"/>
+              <a:t> </a:t>
+            </a:r>
+            <a:r>
+              <a:rPr lang="pt-BR" b="1" dirty="0" smtClean="0">
+                <a:hlinkClick r:id="rId4"/>
+              </a:rPr>
+              <a:t>renner@linapay.io</a:t>
+            </a:r>
+            <a:r>
+              <a:rPr lang="pt-BR" b="1" dirty="0"/>
+              <a:t> com o assunto </a:t>
+            </a:r>
+            <a:r>
+              <a:rPr lang="pt-BR" b="1" dirty="0" smtClean="0"/>
+              <a:t>“Suporte Slack”</a:t>
+            </a:r>
+            <a:endParaRPr lang="pt-BR" b="1" dirty="0"/>
+          </a:p>
+        </p:txBody>
+      </p:sp>
+    </p:spTree>
+    <p:extLst>
+      <p:ext uri="{BB962C8B-B14F-4D97-AF65-F5344CB8AC3E}">
+        <p14:creationId xmlns:p14="http://schemas.microsoft.com/office/powerpoint/2010/main" val="708243484"/>
+      </p:ext>
+    </p:extLst>
+  </p:cSld>
+  <p:clrMapOvr>
+    <a:masterClrMapping/>
+  </p:clrMapOvr>
+  <p:timing>
+    <p:tnLst>
+      <p:par>
+        <p:cTn id="1" dur="indefinite" restart="never" nodeType="tmRoot"/>
+      </p:par>
+    </p:tnLst>
+  </p:timing>
+</p:sld>
+</file>
+
 <file path=ppt/slides/slide2.xml><?xml version="1.0" encoding="utf-8"?>
+<p:sld xmlns:a="http://schemas.openxmlformats.org/drawingml/2006/main" xmlns:r="http://schemas.openxmlformats.org/officeDocument/2006/relationships" xmlns:p="http://schemas.openxmlformats.org/presentationml/2006/main">
+  <p:cSld>
+    <p:spTree>
+      <p:nvGrpSpPr>
+        <p:cNvPr id="1" name=""/>
+        <p:cNvGrpSpPr/>
+        <p:nvPr/>
+      </p:nvGrpSpPr>
+      <p:grpSpPr>
+        <a:xfrm>
+          <a:off x="0" y="0"/>
+          <a:ext cx="0" cy="0"/>
+          <a:chOff x="0" y="0"/>
+          <a:chExt cx="0" cy="0"/>
+        </a:xfrm>
+      </p:grpSpPr>
+      <p:grpSp>
+        <p:nvGrpSpPr>
+          <p:cNvPr id="4" name="Agrupar 3"/>
+          <p:cNvGrpSpPr/>
+          <p:nvPr/>
+        </p:nvGrpSpPr>
+        <p:grpSpPr>
+          <a:xfrm>
+            <a:off x="0" y="0"/>
+            <a:ext cx="12192000" cy="1282769"/>
+            <a:chOff x="0" y="0"/>
+            <a:chExt cx="12192000" cy="1282769"/>
+          </a:xfrm>
+        </p:grpSpPr>
+        <p:sp>
+          <p:nvSpPr>
+            <p:cNvPr id="5" name="Retângulo 4"/>
+            <p:cNvSpPr/>
+            <p:nvPr/>
+          </p:nvSpPr>
+          <p:spPr>
+            <a:xfrm>
+              <a:off x="1632857" y="0"/>
+              <a:ext cx="10559143" cy="1282769"/>
+            </a:xfrm>
+            <a:prstGeom prst="rect">
+              <a:avLst/>
+            </a:prstGeom>
+            <a:solidFill>
+              <a:srgbClr val="006461"/>
+            </a:solidFill>
+          </p:spPr>
+          <p:style>
+            <a:lnRef idx="2">
+              <a:schemeClr val="accent1">
+                <a:shade val="50000"/>
+              </a:schemeClr>
+            </a:lnRef>
+            <a:fillRef idx="1">
+              <a:schemeClr val="accent1"/>
+            </a:fillRef>
+            <a:effectRef idx="0">
+              <a:schemeClr val="accent1"/>
+            </a:effectRef>
+            <a:fontRef idx="minor">
+              <a:schemeClr val="lt1"/>
+            </a:fontRef>
+          </p:style>
+          <p:txBody>
+            <a:bodyPr rtlCol="0" anchor="ctr"/>
+            <a:lstStyle/>
+            <a:p>
+              <a:pPr algn="ctr"/>
+              <a:endParaRPr lang="pt-BR"/>
+            </a:p>
+          </p:txBody>
+        </p:sp>
+        <p:pic>
+          <p:nvPicPr>
+            <p:cNvPr id="6" name="Imagem 5">
+              <a:extLst>
+                <a:ext uri="{FF2B5EF4-FFF2-40B4-BE49-F238E27FC236}">
+                  <a16:creationId xmlns:a16="http://schemas.microsoft.com/office/drawing/2014/main" id="{FEC16F6E-8DF3-4422-8E41-35D556DF9F14}"/>
+                </a:ext>
+              </a:extLst>
+            </p:cNvPr>
+            <p:cNvPicPr>
+              <a:picLocks noChangeAspect="1"/>
+            </p:cNvPicPr>
+            <p:nvPr/>
+          </p:nvPicPr>
+          <p:blipFill>
+            <a:blip r:embed="rId2" cstate="print">
+              <a:extLst>
+                <a:ext uri="{28A0092B-C50C-407E-A947-70E740481C1C}">
+                  <a14:useLocalDpi xmlns:a14="http://schemas.microsoft.com/office/drawing/2010/main" val="0"/>
+                </a:ext>
+              </a:extLst>
+            </a:blip>
+            <a:stretch>
+              <a:fillRect/>
+            </a:stretch>
+          </p:blipFill>
+          <p:spPr>
+            <a:xfrm>
+              <a:off x="0" y="0"/>
+              <a:ext cx="1632857" cy="1282769"/>
+            </a:xfrm>
+            <a:prstGeom prst="rect">
+              <a:avLst/>
+            </a:prstGeom>
+            <a:ln>
+              <a:noFill/>
+            </a:ln>
+            <a:effectLst>
+              <a:outerShdw blurRad="190500" algn="tl" rotWithShape="0">
+                <a:srgbClr val="000000">
+                  <a:alpha val="70000"/>
+                </a:srgbClr>
+              </a:outerShdw>
+            </a:effectLst>
+          </p:spPr>
+        </p:pic>
+      </p:grpSp>
+      <p:pic>
+        <p:nvPicPr>
+          <p:cNvPr id="1026" name="Picture 2" descr="emergent-enterprise.com/wp-content/uploads/2019..."/>
+          <p:cNvPicPr>
+            <a:picLocks noChangeAspect="1" noChangeArrowheads="1"/>
+          </p:cNvPicPr>
+          <p:nvPr/>
+        </p:nvPicPr>
+        <p:blipFill rotWithShape="1">
+          <a:blip r:embed="rId3" cstate="print">
+            <a:extLst>
+              <a:ext uri="{28A0092B-C50C-407E-A947-70E740481C1C}">
+                <a14:useLocalDpi xmlns:a14="http://schemas.microsoft.com/office/drawing/2010/main" val="0"/>
+              </a:ext>
+            </a:extLst>
+          </a:blip>
+          <a:srcRect l="-365" t="1299" r="365" b="28708"/>
+          <a:stretch/>
+        </p:blipFill>
+        <p:spPr bwMode="auto">
+          <a:xfrm>
+            <a:off x="4258491" y="1282769"/>
+            <a:ext cx="3579223" cy="1408180"/>
+          </a:xfrm>
+          <a:prstGeom prst="rect">
+            <a:avLst/>
+          </a:prstGeom>
+          <a:noFill/>
+          <a:extLst>
+            <a:ext uri="{909E8E84-426E-40DD-AFC4-6F175D3DCCD1}">
+              <a14:hiddenFill xmlns:a14="http://schemas.microsoft.com/office/drawing/2010/main">
+                <a:solidFill>
+                  <a:srgbClr val="FFFFFF"/>
+                </a:solidFill>
+              </a14:hiddenFill>
+            </a:ext>
+          </a:extLst>
+        </p:spPr>
+      </p:pic>
+      <p:sp>
+        <p:nvSpPr>
+          <p:cNvPr id="8" name="CaixaDeTexto 7"/>
+          <p:cNvSpPr txBox="1"/>
+          <p:nvPr/>
+        </p:nvSpPr>
+        <p:spPr>
+          <a:xfrm>
+            <a:off x="1208314" y="3288771"/>
+            <a:ext cx="4624251" cy="1569660"/>
+          </a:xfrm>
+          <a:prstGeom prst="rect">
+            <a:avLst/>
+          </a:prstGeom>
+          <a:noFill/>
+        </p:spPr>
+        <p:txBody>
+          <a:bodyPr wrap="square" rtlCol="0">
+            <a:spAutoFit/>
+          </a:bodyPr>
+          <a:lstStyle/>
+          <a:p>
+            <a:pPr algn="ctr"/>
+            <a:r>
+              <a:rPr lang="pt-BR" sz="2400" dirty="0" smtClean="0"/>
+              <a:t>O Slack é uma ferramenta que tem como objetivo facilitar a comunicação entre você e sua equipe</a:t>
+            </a:r>
+            <a:endParaRPr lang="pt-BR" sz="1600" dirty="0"/>
+          </a:p>
+        </p:txBody>
+      </p:sp>
+      <p:sp>
+        <p:nvSpPr>
+          <p:cNvPr id="9" name="Retângulo 8"/>
+          <p:cNvSpPr/>
+          <p:nvPr/>
+        </p:nvSpPr>
+        <p:spPr>
+          <a:xfrm>
+            <a:off x="992778" y="3288771"/>
+            <a:ext cx="4937760" cy="2266496"/>
+          </a:xfrm>
+          <a:prstGeom prst="rect">
+            <a:avLst/>
+          </a:prstGeom>
+          <a:noFill/>
+          <a:ln w="28575">
+            <a:solidFill>
+              <a:srgbClr val="005877"/>
+            </a:solidFill>
+          </a:ln>
+        </p:spPr>
+        <p:style>
+          <a:lnRef idx="2">
+            <a:schemeClr val="accent1">
+              <a:shade val="50000"/>
+            </a:schemeClr>
+          </a:lnRef>
+          <a:fillRef idx="1">
+            <a:schemeClr val="accent1"/>
+          </a:fillRef>
+          <a:effectRef idx="0">
+            <a:schemeClr val="accent1"/>
+          </a:effectRef>
+          <a:fontRef idx="minor">
+            <a:schemeClr val="lt1"/>
+          </a:fontRef>
+        </p:style>
+        <p:txBody>
+          <a:bodyPr rtlCol="0" anchor="ctr"/>
+          <a:lstStyle/>
+          <a:p>
+            <a:pPr algn="ctr"/>
+            <a:endParaRPr lang="pt-BR"/>
+          </a:p>
+        </p:txBody>
+      </p:sp>
+      <p:sp>
+        <p:nvSpPr>
+          <p:cNvPr id="10" name="CaixaDeTexto 9"/>
+          <p:cNvSpPr txBox="1"/>
+          <p:nvPr/>
+        </p:nvSpPr>
+        <p:spPr>
+          <a:xfrm>
+            <a:off x="6472645" y="3288771"/>
+            <a:ext cx="4624251" cy="1384995"/>
+          </a:xfrm>
+          <a:prstGeom prst="rect">
+            <a:avLst/>
+          </a:prstGeom>
+          <a:noFill/>
+        </p:spPr>
+        <p:txBody>
+          <a:bodyPr wrap="square" rtlCol="0">
+            <a:spAutoFit/>
+          </a:bodyPr>
+          <a:lstStyle/>
+          <a:p>
+            <a:pPr algn="ctr"/>
+            <a:r>
+              <a:rPr lang="pt-BR" sz="2800" dirty="0" smtClean="0"/>
+              <a:t>No slack o mesmo grupo de pessoas podem participar de diversos assuntos/projetos.</a:t>
+            </a:r>
+            <a:endParaRPr lang="pt-BR" dirty="0"/>
+          </a:p>
+        </p:txBody>
+      </p:sp>
+      <p:sp>
+        <p:nvSpPr>
+          <p:cNvPr id="11" name="Retângulo 10"/>
+          <p:cNvSpPr/>
+          <p:nvPr/>
+        </p:nvSpPr>
+        <p:spPr>
+          <a:xfrm>
+            <a:off x="6315890" y="3288771"/>
+            <a:ext cx="4937760" cy="2266496"/>
+          </a:xfrm>
+          <a:prstGeom prst="rect">
+            <a:avLst/>
+          </a:prstGeom>
+          <a:noFill/>
+          <a:ln w="28575">
+            <a:solidFill>
+              <a:srgbClr val="005877"/>
+            </a:solidFill>
+          </a:ln>
+        </p:spPr>
+        <p:style>
+          <a:lnRef idx="2">
+            <a:schemeClr val="accent1">
+              <a:shade val="50000"/>
+            </a:schemeClr>
+          </a:lnRef>
+          <a:fillRef idx="1">
+            <a:schemeClr val="accent1"/>
+          </a:fillRef>
+          <a:effectRef idx="0">
+            <a:schemeClr val="accent1"/>
+          </a:effectRef>
+          <a:fontRef idx="minor">
+            <a:schemeClr val="lt1"/>
+          </a:fontRef>
+        </p:style>
+        <p:txBody>
+          <a:bodyPr rtlCol="0" anchor="ctr"/>
+          <a:lstStyle/>
+          <a:p>
+            <a:pPr algn="ctr"/>
+            <a:endParaRPr lang="pt-BR"/>
+          </a:p>
+        </p:txBody>
+      </p:sp>
+    </p:spTree>
+    <p:extLst>
+      <p:ext uri="{BB962C8B-B14F-4D97-AF65-F5344CB8AC3E}">
+        <p14:creationId xmlns:p14="http://schemas.microsoft.com/office/powerpoint/2010/main" val="1402549848"/>
+      </p:ext>
+    </p:extLst>
+  </p:cSld>
+  <p:clrMapOvr>
+    <a:masterClrMapping/>
+  </p:clrMapOvr>
+</p:sld>
+</file>
+
+<file path=ppt/slides/slide3.xml><?xml version="1.0" encoding="utf-8"?>
 <p:sld xmlns:a="http://schemas.openxmlformats.org/drawingml/2006/main" xmlns:r="http://schemas.openxmlformats.org/officeDocument/2006/relationships" xmlns:p="http://schemas.openxmlformats.org/presentationml/2006/main">
   <p:cSld>
     <p:spTree>
@@ -3470,7 +4134,7 @@
 </p:sld>
 </file>
 
-<file path=ppt/slides/slide3.xml><?xml version="1.0" encoding="utf-8"?>
+<file path=ppt/slides/slide4.xml><?xml version="1.0" encoding="utf-8"?>
 <p:sld xmlns:a="http://schemas.openxmlformats.org/drawingml/2006/main" xmlns:r="http://schemas.openxmlformats.org/officeDocument/2006/relationships" xmlns:p="http://schemas.openxmlformats.org/presentationml/2006/main">
   <p:cSld>
     <p:spTree>
@@ -4072,7 +4736,7 @@
 </p:sld>
 </file>
 
-<file path=ppt/slides/slide4.xml><?xml version="1.0" encoding="utf-8"?>
+<file path=ppt/slides/slide5.xml><?xml version="1.0" encoding="utf-8"?>
 <p:sld xmlns:a="http://schemas.openxmlformats.org/drawingml/2006/main" xmlns:r="http://schemas.openxmlformats.org/officeDocument/2006/relationships" xmlns:p="http://schemas.openxmlformats.org/presentationml/2006/main">
   <p:cSld>
     <p:spTree>
@@ -4512,7 +5176,7 @@
 </p:sld>
 </file>
 
-<file path=ppt/slides/slide5.xml><?xml version="1.0" encoding="utf-8"?>
+<file path=ppt/slides/slide6.xml><?xml version="1.0" encoding="utf-8"?>
 <p:sld xmlns:a="http://schemas.openxmlformats.org/drawingml/2006/main" xmlns:r="http://schemas.openxmlformats.org/officeDocument/2006/relationships" xmlns:p="http://schemas.openxmlformats.org/presentationml/2006/main">
   <p:cSld>
     <p:spTree>
@@ -4914,7 +5578,7 @@
 </p:sld>
 </file>
 
-<file path=ppt/slides/slide6.xml><?xml version="1.0" encoding="utf-8"?>
+<file path=ppt/slides/slide7.xml><?xml version="1.0" encoding="utf-8"?>
 <p:sld xmlns:a="http://schemas.openxmlformats.org/drawingml/2006/main" xmlns:r="http://schemas.openxmlformats.org/officeDocument/2006/relationships" xmlns:p="http://schemas.openxmlformats.org/presentationml/2006/main">
   <p:cSld>
     <p:spTree>
@@ -5305,7 +5969,7 @@
 </p:sld>
 </file>
 
-<file path=ppt/slides/slide7.xml><?xml version="1.0" encoding="utf-8"?>
+<file path=ppt/slides/slide8.xml><?xml version="1.0" encoding="utf-8"?>
 <p:sld xmlns:a="http://schemas.openxmlformats.org/drawingml/2006/main" xmlns:r="http://schemas.openxmlformats.org/officeDocument/2006/relationships" xmlns:p="http://schemas.openxmlformats.org/presentationml/2006/main">
   <p:cSld>
     <p:spTree>
@@ -5694,7 +6358,7 @@
 </p:sld>
 </file>
 
-<file path=ppt/slides/slide8.xml><?xml version="1.0" encoding="utf-8"?>
+<file path=ppt/slides/slide9.xml><?xml version="1.0" encoding="utf-8"?>
 <p:sld xmlns:a="http://schemas.openxmlformats.org/drawingml/2006/main" xmlns:r="http://schemas.openxmlformats.org/officeDocument/2006/relationships" xmlns:p="http://schemas.openxmlformats.org/presentationml/2006/main">
   <p:cSld>
     <p:spTree>
@@ -5960,342 +6624,6 @@
     <p:extLst>
       <p:ext uri="{BB962C8B-B14F-4D97-AF65-F5344CB8AC3E}">
         <p14:creationId xmlns:p14="http://schemas.microsoft.com/office/powerpoint/2010/main" val="1355841896"/>
-      </p:ext>
-    </p:extLst>
-  </p:cSld>
-  <p:clrMapOvr>
-    <a:masterClrMapping/>
-  </p:clrMapOvr>
-  <p:timing>
-    <p:tnLst>
-      <p:par>
-        <p:cTn id="1" dur="indefinite" restart="never" nodeType="tmRoot"/>
-      </p:par>
-    </p:tnLst>
-  </p:timing>
-</p:sld>
-</file>
-
-<file path=ppt/slides/slide9.xml><?xml version="1.0" encoding="utf-8"?>
-<p:sld xmlns:a="http://schemas.openxmlformats.org/drawingml/2006/main" xmlns:r="http://schemas.openxmlformats.org/officeDocument/2006/relationships" xmlns:p="http://schemas.openxmlformats.org/presentationml/2006/main">
-  <p:cSld>
-    <p:spTree>
-      <p:nvGrpSpPr>
-        <p:cNvPr id="1" name=""/>
-        <p:cNvGrpSpPr/>
-        <p:nvPr/>
-      </p:nvGrpSpPr>
-      <p:grpSpPr>
-        <a:xfrm>
-          <a:off x="0" y="0"/>
-          <a:ext cx="0" cy="0"/>
-          <a:chOff x="0" y="0"/>
-          <a:chExt cx="0" cy="0"/>
-        </a:xfrm>
-      </p:grpSpPr>
-      <p:grpSp>
-        <p:nvGrpSpPr>
-          <p:cNvPr id="4" name="Agrupar 3"/>
-          <p:cNvGrpSpPr/>
-          <p:nvPr/>
-        </p:nvGrpSpPr>
-        <p:grpSpPr>
-          <a:xfrm>
-            <a:off x="0" y="0"/>
-            <a:ext cx="12192000" cy="1282769"/>
-            <a:chOff x="0" y="0"/>
-            <a:chExt cx="12192000" cy="1282769"/>
-          </a:xfrm>
-        </p:grpSpPr>
-        <p:sp>
-          <p:nvSpPr>
-            <p:cNvPr id="5" name="Retângulo 4"/>
-            <p:cNvSpPr/>
-            <p:nvPr/>
-          </p:nvSpPr>
-          <p:spPr>
-            <a:xfrm>
-              <a:off x="1632857" y="0"/>
-              <a:ext cx="10559143" cy="1282769"/>
-            </a:xfrm>
-            <a:prstGeom prst="rect">
-              <a:avLst/>
-            </a:prstGeom>
-            <a:solidFill>
-              <a:srgbClr val="006461"/>
-            </a:solidFill>
-          </p:spPr>
-          <p:style>
-            <a:lnRef idx="2">
-              <a:schemeClr val="accent1">
-                <a:shade val="50000"/>
-              </a:schemeClr>
-            </a:lnRef>
-            <a:fillRef idx="1">
-              <a:schemeClr val="accent1"/>
-            </a:fillRef>
-            <a:effectRef idx="0">
-              <a:schemeClr val="accent1"/>
-            </a:effectRef>
-            <a:fontRef idx="minor">
-              <a:schemeClr val="lt1"/>
-            </a:fontRef>
-          </p:style>
-          <p:txBody>
-            <a:bodyPr rtlCol="0" anchor="ctr"/>
-            <a:lstStyle/>
-            <a:p>
-              <a:pPr algn="ctr"/>
-              <a:endParaRPr lang="pt-BR"/>
-            </a:p>
-          </p:txBody>
-        </p:sp>
-        <p:pic>
-          <p:nvPicPr>
-            <p:cNvPr id="6" name="Imagem 5">
-              <a:extLst>
-                <a:ext uri="{FF2B5EF4-FFF2-40B4-BE49-F238E27FC236}">
-                  <a16:creationId xmlns:a16="http://schemas.microsoft.com/office/drawing/2014/main" id="{FEC16F6E-8DF3-4422-8E41-35D556DF9F14}"/>
-                </a:ext>
-              </a:extLst>
-            </p:cNvPr>
-            <p:cNvPicPr>
-              <a:picLocks noChangeAspect="1"/>
-            </p:cNvPicPr>
-            <p:nvPr/>
-          </p:nvPicPr>
-          <p:blipFill>
-            <a:blip r:embed="rId2" cstate="print">
-              <a:extLst>
-                <a:ext uri="{28A0092B-C50C-407E-A947-70E740481C1C}">
-                  <a14:useLocalDpi xmlns:a14="http://schemas.microsoft.com/office/drawing/2010/main" val="0"/>
-                </a:ext>
-              </a:extLst>
-            </a:blip>
-            <a:stretch>
-              <a:fillRect/>
-            </a:stretch>
-          </p:blipFill>
-          <p:spPr>
-            <a:xfrm>
-              <a:off x="0" y="0"/>
-              <a:ext cx="1632857" cy="1282769"/>
-            </a:xfrm>
-            <a:prstGeom prst="rect">
-              <a:avLst/>
-            </a:prstGeom>
-            <a:ln>
-              <a:noFill/>
-            </a:ln>
-            <a:effectLst>
-              <a:outerShdw blurRad="190500" algn="tl" rotWithShape="0">
-                <a:srgbClr val="000000">
-                  <a:alpha val="70000"/>
-                </a:srgbClr>
-              </a:outerShdw>
-            </a:effectLst>
-          </p:spPr>
-        </p:pic>
-      </p:grpSp>
-      <p:sp>
-        <p:nvSpPr>
-          <p:cNvPr id="3" name="Retângulo 2"/>
-          <p:cNvSpPr/>
-          <p:nvPr/>
-        </p:nvSpPr>
-        <p:spPr>
-          <a:xfrm>
-            <a:off x="4206240" y="3240322"/>
-            <a:ext cx="6570617" cy="1566809"/>
-          </a:xfrm>
-          <a:prstGeom prst="rect">
-            <a:avLst/>
-          </a:prstGeom>
-          <a:solidFill>
-            <a:schemeClr val="bg1"/>
-          </a:solidFill>
-          <a:ln>
-            <a:noFill/>
-          </a:ln>
-        </p:spPr>
-        <p:style>
-          <a:lnRef idx="2">
-            <a:schemeClr val="accent1">
-              <a:shade val="50000"/>
-            </a:schemeClr>
-          </a:lnRef>
-          <a:fillRef idx="1">
-            <a:schemeClr val="accent1"/>
-          </a:fillRef>
-          <a:effectRef idx="0">
-            <a:schemeClr val="accent1"/>
-          </a:effectRef>
-          <a:fontRef idx="minor">
-            <a:schemeClr val="lt1"/>
-          </a:fontRef>
-        </p:style>
-        <p:txBody>
-          <a:bodyPr rtlCol="0" anchor="ctr"/>
-          <a:lstStyle/>
-          <a:p>
-            <a:pPr algn="ctr"/>
-            <a:endParaRPr lang="pt-BR"/>
-          </a:p>
-        </p:txBody>
-      </p:sp>
-      <p:pic>
-        <p:nvPicPr>
-          <p:cNvPr id="1030" name="Picture 6" descr="Suporte Técnico | Sectigo Brasil - sectigo.com.br"/>
-          <p:cNvPicPr>
-            <a:picLocks noChangeAspect="1" noChangeArrowheads="1"/>
-          </p:cNvPicPr>
-          <p:nvPr/>
-        </p:nvPicPr>
-        <p:blipFill>
-          <a:blip r:embed="rId3">
-            <a:extLst>
-              <a:ext uri="{28A0092B-C50C-407E-A947-70E740481C1C}">
-                <a14:useLocalDpi xmlns:a14="http://schemas.microsoft.com/office/drawing/2010/main" val="0"/>
-              </a:ext>
-            </a:extLst>
-          </a:blip>
-          <a:srcRect/>
-          <a:stretch>
-            <a:fillRect/>
-          </a:stretch>
-        </p:blipFill>
-        <p:spPr bwMode="auto">
-          <a:xfrm>
-            <a:off x="3408225" y="2038348"/>
-            <a:ext cx="4762500" cy="4572000"/>
-          </a:xfrm>
-          <a:prstGeom prst="rect">
-            <a:avLst/>
-          </a:prstGeom>
-          <a:noFill/>
-          <a:extLst>
-            <a:ext uri="{909E8E84-426E-40DD-AFC4-6F175D3DCCD1}">
-              <a14:hiddenFill xmlns:a14="http://schemas.microsoft.com/office/drawing/2010/main">
-                <a:solidFill>
-                  <a:srgbClr val="FFFFFF"/>
-                </a:solidFill>
-              </a14:hiddenFill>
-            </a:ext>
-          </a:extLst>
-        </p:spPr>
-      </p:pic>
-      <p:sp>
-        <p:nvSpPr>
-          <p:cNvPr id="2" name="CaixaDeTexto 1"/>
-          <p:cNvSpPr txBox="1"/>
-          <p:nvPr/>
-        </p:nvSpPr>
-        <p:spPr>
-          <a:xfrm>
-            <a:off x="1983305" y="1392017"/>
-            <a:ext cx="7612340" cy="646331"/>
-          </a:xfrm>
-          <a:prstGeom prst="rect">
-            <a:avLst/>
-          </a:prstGeom>
-          <a:noFill/>
-        </p:spPr>
-        <p:txBody>
-          <a:bodyPr wrap="none" rtlCol="0">
-            <a:spAutoFit/>
-          </a:bodyPr>
-          <a:lstStyle/>
-          <a:p>
-            <a:pPr algn="ctr"/>
-            <a:r>
-              <a:rPr lang="pt-BR" dirty="0"/>
-              <a:t>Mesmo seguindo o passo a passo e </a:t>
-            </a:r>
-            <a:r>
-              <a:rPr lang="pt-BR" b="1" dirty="0"/>
-              <a:t>não</a:t>
-            </a:r>
-            <a:r>
-              <a:rPr lang="pt-BR" dirty="0"/>
-              <a:t> </a:t>
-            </a:r>
-            <a:r>
-              <a:rPr lang="pt-BR" b="1" dirty="0"/>
-              <a:t>tenha</a:t>
-            </a:r>
-            <a:r>
-              <a:rPr lang="pt-BR" dirty="0"/>
-              <a:t> </a:t>
-            </a:r>
-            <a:r>
-              <a:rPr lang="pt-BR" b="1" dirty="0"/>
-              <a:t>conseguido</a:t>
-            </a:r>
-            <a:r>
-              <a:rPr lang="pt-BR" dirty="0"/>
-              <a:t> </a:t>
-            </a:r>
-            <a:r>
-              <a:rPr lang="pt-BR" b="1" dirty="0"/>
-              <a:t>acesso</a:t>
-            </a:r>
-            <a:r>
-              <a:rPr lang="pt-BR" dirty="0"/>
-              <a:t> </a:t>
-            </a:r>
-            <a:r>
-              <a:rPr lang="pt-BR" b="1" dirty="0"/>
-              <a:t>a</a:t>
-            </a:r>
-            <a:r>
-              <a:rPr lang="pt-BR" dirty="0"/>
-              <a:t> </a:t>
-            </a:r>
-            <a:r>
-              <a:rPr lang="pt-BR" b="1" dirty="0"/>
-              <a:t>ferramenta</a:t>
-            </a:r>
-            <a:r>
-              <a:rPr lang="pt-BR" dirty="0"/>
-              <a:t>,</a:t>
-            </a:r>
-            <a:br>
-              <a:rPr lang="pt-BR" dirty="0"/>
-            </a:br>
-            <a:r>
-              <a:rPr lang="pt-BR" dirty="0"/>
-              <a:t>entre em contato via </a:t>
-            </a:r>
-            <a:r>
-              <a:rPr lang="pt-BR" b="1" dirty="0"/>
-              <a:t>e-mail:</a:t>
-            </a:r>
-            <a:r>
-              <a:rPr lang="pt-BR" dirty="0"/>
-              <a:t> </a:t>
-            </a:r>
-            <a:r>
-              <a:rPr lang="pt-BR" b="1" dirty="0" smtClean="0">
-                <a:hlinkClick r:id="rId4"/>
-              </a:rPr>
-              <a:t>renner@linapay.io</a:t>
-            </a:r>
-            <a:r>
-              <a:rPr lang="pt-BR" b="1" dirty="0"/>
-              <a:t> com o assunto </a:t>
-            </a:r>
-            <a:r>
-              <a:rPr lang="pt-BR" b="1" dirty="0" smtClean="0"/>
-              <a:t>“Suporte Slack”</a:t>
-            </a:r>
-            <a:endParaRPr lang="pt-BR" b="1" dirty="0"/>
-          </a:p>
-        </p:txBody>
-      </p:sp>
-    </p:spTree>
-    <p:extLst>
-      <p:ext uri="{BB962C8B-B14F-4D97-AF65-F5344CB8AC3E}">
-        <p14:creationId xmlns:p14="http://schemas.microsoft.com/office/powerpoint/2010/main" val="708243484"/>
       </p:ext>
     </p:extLst>
   </p:cSld>
